--- a/ppt 16-9/1102.耶和华以勒.pptx
+++ b/ppt 16-9/1102.耶和华以勒.pptx
@@ -5,7 +5,7 @@
     <p:sldMasterId id="2147483648" r:id="rId1"/>
   </p:sldMasterIdLst>
   <p:sldIdLst>
-    <p:sldId id="569" r:id="rId2"/>
+    <p:sldId id="571" r:id="rId2"/>
   </p:sldIdLst>
   <p:sldSz cx="12192000" cy="6858000"/>
   <p:notesSz cx="6858000" cy="9144000"/>
@@ -129,7 +129,7 @@
           <p:cNvPr id="2" name="标题 1">
             <a:extLst>
               <a:ext uri="{FF2B5EF4-FFF2-40B4-BE49-F238E27FC236}">
-                <a16:creationId xmlns:a16="http://schemas.microsoft.com/office/drawing/2014/main" id="{70BFBDBA-BA19-D502-27BA-8B0796B5483B}"/>
+                <a16:creationId xmlns:a16="http://schemas.microsoft.com/office/drawing/2014/main" id="{311D05F8-E761-8453-DA4E-76EAC9472A16}"/>
               </a:ext>
             </a:extLst>
           </p:cNvPr>
@@ -166,7 +166,7 @@
           <p:cNvPr id="3" name="副标题 2">
             <a:extLst>
               <a:ext uri="{FF2B5EF4-FFF2-40B4-BE49-F238E27FC236}">
-                <a16:creationId xmlns:a16="http://schemas.microsoft.com/office/drawing/2014/main" id="{E9C687ED-69DD-7548-5A1F-5CA3408EC9C3}"/>
+                <a16:creationId xmlns:a16="http://schemas.microsoft.com/office/drawing/2014/main" id="{F62880A2-861E-BCAA-5937-49967E4A7F81}"/>
               </a:ext>
             </a:extLst>
           </p:cNvPr>
@@ -236,7 +236,7 @@
           <p:cNvPr id="4" name="日期占位符 3">
             <a:extLst>
               <a:ext uri="{FF2B5EF4-FFF2-40B4-BE49-F238E27FC236}">
-                <a16:creationId xmlns:a16="http://schemas.microsoft.com/office/drawing/2014/main" id="{30EB0719-ADC0-4EF9-76BE-DDD321009042}"/>
+                <a16:creationId xmlns:a16="http://schemas.microsoft.com/office/drawing/2014/main" id="{A8E0174F-D2F7-A1DC-C11B-55AB47988514}"/>
               </a:ext>
             </a:extLst>
           </p:cNvPr>
@@ -252,7 +252,7 @@
           <a:bodyPr/>
           <a:lstStyle/>
           <a:p>
-            <a:fld id="{AE23AC2C-CCB9-4ADF-A95E-D1CCE917CDF7}" type="datetimeFigureOut">
+            <a:fld id="{9A6F76CE-CB6C-4C63-A7E4-8CF0E1059C70}" type="datetimeFigureOut">
               <a:rPr lang="zh-CN" altLang="en-US" smtClean="0"/>
               <a:t>2024/3/10</a:t>
             </a:fld>
@@ -265,7 +265,7 @@
           <p:cNvPr id="5" name="页脚占位符 4">
             <a:extLst>
               <a:ext uri="{FF2B5EF4-FFF2-40B4-BE49-F238E27FC236}">
-                <a16:creationId xmlns:a16="http://schemas.microsoft.com/office/drawing/2014/main" id="{E170E3D2-C529-8439-C677-9520019843FD}"/>
+                <a16:creationId xmlns:a16="http://schemas.microsoft.com/office/drawing/2014/main" id="{E79DE00D-356C-A277-A5A5-60A72866A535}"/>
               </a:ext>
             </a:extLst>
           </p:cNvPr>
@@ -290,7 +290,7 @@
           <p:cNvPr id="6" name="灯片编号占位符 5">
             <a:extLst>
               <a:ext uri="{FF2B5EF4-FFF2-40B4-BE49-F238E27FC236}">
-                <a16:creationId xmlns:a16="http://schemas.microsoft.com/office/drawing/2014/main" id="{285B6F8D-B16F-7AC5-65AE-A69820EFE0DE}"/>
+                <a16:creationId xmlns:a16="http://schemas.microsoft.com/office/drawing/2014/main" id="{F7DC6000-6191-23CA-4BD3-30096075CEE0}"/>
               </a:ext>
             </a:extLst>
           </p:cNvPr>
@@ -306,7 +306,7 @@
           <a:bodyPr/>
           <a:lstStyle/>
           <a:p>
-            <a:fld id="{83C374F3-A85B-4512-A0D0-3835474827B0}" type="slidenum">
+            <a:fld id="{63C5CE35-E287-4405-8810-4464D3453FBC}" type="slidenum">
               <a:rPr lang="zh-CN" altLang="en-US" smtClean="0"/>
               <a:t>‹#›</a:t>
             </a:fld>
@@ -317,7 +317,7 @@
     </p:spTree>
     <p:extLst>
       <p:ext uri="{BB962C8B-B14F-4D97-AF65-F5344CB8AC3E}">
-        <p14:creationId xmlns:p14="http://schemas.microsoft.com/office/powerpoint/2010/main" val="1375321328"/>
+        <p14:creationId xmlns:p14="http://schemas.microsoft.com/office/powerpoint/2010/main" val="741290351"/>
       </p:ext>
     </p:extLst>
   </p:cSld>
@@ -349,7 +349,7 @@
           <p:cNvPr id="2" name="标题 1">
             <a:extLst>
               <a:ext uri="{FF2B5EF4-FFF2-40B4-BE49-F238E27FC236}">
-                <a16:creationId xmlns:a16="http://schemas.microsoft.com/office/drawing/2014/main" id="{2977BC7F-3A45-8275-D656-9B9C32792CEE}"/>
+                <a16:creationId xmlns:a16="http://schemas.microsoft.com/office/drawing/2014/main" id="{0E30A9C8-3141-C9BC-D9E8-6C76E53506AC}"/>
               </a:ext>
             </a:extLst>
           </p:cNvPr>
@@ -377,7 +377,7 @@
           <p:cNvPr id="3" name="竖排文字占位符 2">
             <a:extLst>
               <a:ext uri="{FF2B5EF4-FFF2-40B4-BE49-F238E27FC236}">
-                <a16:creationId xmlns:a16="http://schemas.microsoft.com/office/drawing/2014/main" id="{E9F9F251-0805-DA02-1CE8-5046DD098552}"/>
+                <a16:creationId xmlns:a16="http://schemas.microsoft.com/office/drawing/2014/main" id="{0A8E0EA4-4FD0-1EBC-1CFE-692C5A85349F}"/>
               </a:ext>
             </a:extLst>
           </p:cNvPr>
@@ -434,7 +434,7 @@
           <p:cNvPr id="4" name="日期占位符 3">
             <a:extLst>
               <a:ext uri="{FF2B5EF4-FFF2-40B4-BE49-F238E27FC236}">
-                <a16:creationId xmlns:a16="http://schemas.microsoft.com/office/drawing/2014/main" id="{635C9B79-27DC-B64A-21F2-5D1D656CAF8E}"/>
+                <a16:creationId xmlns:a16="http://schemas.microsoft.com/office/drawing/2014/main" id="{30F5A169-3E76-8A12-DBF7-1507B1ADD6BD}"/>
               </a:ext>
             </a:extLst>
           </p:cNvPr>
@@ -450,7 +450,7 @@
           <a:bodyPr/>
           <a:lstStyle/>
           <a:p>
-            <a:fld id="{AE23AC2C-CCB9-4ADF-A95E-D1CCE917CDF7}" type="datetimeFigureOut">
+            <a:fld id="{9A6F76CE-CB6C-4C63-A7E4-8CF0E1059C70}" type="datetimeFigureOut">
               <a:rPr lang="zh-CN" altLang="en-US" smtClean="0"/>
               <a:t>2024/3/10</a:t>
             </a:fld>
@@ -463,7 +463,7 @@
           <p:cNvPr id="5" name="页脚占位符 4">
             <a:extLst>
               <a:ext uri="{FF2B5EF4-FFF2-40B4-BE49-F238E27FC236}">
-                <a16:creationId xmlns:a16="http://schemas.microsoft.com/office/drawing/2014/main" id="{A473ED34-3ADD-EE83-BFAE-19072FEBAF09}"/>
+                <a16:creationId xmlns:a16="http://schemas.microsoft.com/office/drawing/2014/main" id="{3E6753F9-2488-4DCE-DE20-0CF957A6C8C5}"/>
               </a:ext>
             </a:extLst>
           </p:cNvPr>
@@ -488,7 +488,7 @@
           <p:cNvPr id="6" name="灯片编号占位符 5">
             <a:extLst>
               <a:ext uri="{FF2B5EF4-FFF2-40B4-BE49-F238E27FC236}">
-                <a16:creationId xmlns:a16="http://schemas.microsoft.com/office/drawing/2014/main" id="{BD236E80-EAC7-3BB6-36C8-CE51C51D3E92}"/>
+                <a16:creationId xmlns:a16="http://schemas.microsoft.com/office/drawing/2014/main" id="{429D3AC8-B107-0E76-5A76-3CFE2E947ADF}"/>
               </a:ext>
             </a:extLst>
           </p:cNvPr>
@@ -504,7 +504,7 @@
           <a:bodyPr/>
           <a:lstStyle/>
           <a:p>
-            <a:fld id="{83C374F3-A85B-4512-A0D0-3835474827B0}" type="slidenum">
+            <a:fld id="{63C5CE35-E287-4405-8810-4464D3453FBC}" type="slidenum">
               <a:rPr lang="zh-CN" altLang="en-US" smtClean="0"/>
               <a:t>‹#›</a:t>
             </a:fld>
@@ -515,7 +515,7 @@
     </p:spTree>
     <p:extLst>
       <p:ext uri="{BB962C8B-B14F-4D97-AF65-F5344CB8AC3E}">
-        <p14:creationId xmlns:p14="http://schemas.microsoft.com/office/powerpoint/2010/main" val="1932344799"/>
+        <p14:creationId xmlns:p14="http://schemas.microsoft.com/office/powerpoint/2010/main" val="3400218"/>
       </p:ext>
     </p:extLst>
   </p:cSld>
@@ -547,7 +547,7 @@
           <p:cNvPr id="2" name="竖排标题 1">
             <a:extLst>
               <a:ext uri="{FF2B5EF4-FFF2-40B4-BE49-F238E27FC236}">
-                <a16:creationId xmlns:a16="http://schemas.microsoft.com/office/drawing/2014/main" id="{05C0CB6C-F750-A33F-6749-C05869ECE68B}"/>
+                <a16:creationId xmlns:a16="http://schemas.microsoft.com/office/drawing/2014/main" id="{C1713A07-4735-AA6A-966A-1F7983CF9BA0}"/>
               </a:ext>
             </a:extLst>
           </p:cNvPr>
@@ -580,7 +580,7 @@
           <p:cNvPr id="3" name="竖排文字占位符 2">
             <a:extLst>
               <a:ext uri="{FF2B5EF4-FFF2-40B4-BE49-F238E27FC236}">
-                <a16:creationId xmlns:a16="http://schemas.microsoft.com/office/drawing/2014/main" id="{45182EA3-DFCC-6AAC-9F67-0AB2E5D3458C}"/>
+                <a16:creationId xmlns:a16="http://schemas.microsoft.com/office/drawing/2014/main" id="{818DEDC1-CC27-B3A6-6BE1-3B88E47778CD}"/>
               </a:ext>
             </a:extLst>
           </p:cNvPr>
@@ -642,7 +642,7 @@
           <p:cNvPr id="4" name="日期占位符 3">
             <a:extLst>
               <a:ext uri="{FF2B5EF4-FFF2-40B4-BE49-F238E27FC236}">
-                <a16:creationId xmlns:a16="http://schemas.microsoft.com/office/drawing/2014/main" id="{551B3993-7134-3CDE-EC2A-8AF2FBAAB9A6}"/>
+                <a16:creationId xmlns:a16="http://schemas.microsoft.com/office/drawing/2014/main" id="{C0CDAC22-4031-2DB5-737F-863464513AB3}"/>
               </a:ext>
             </a:extLst>
           </p:cNvPr>
@@ -658,7 +658,7 @@
           <a:bodyPr/>
           <a:lstStyle/>
           <a:p>
-            <a:fld id="{AE23AC2C-CCB9-4ADF-A95E-D1CCE917CDF7}" type="datetimeFigureOut">
+            <a:fld id="{9A6F76CE-CB6C-4C63-A7E4-8CF0E1059C70}" type="datetimeFigureOut">
               <a:rPr lang="zh-CN" altLang="en-US" smtClean="0"/>
               <a:t>2024/3/10</a:t>
             </a:fld>
@@ -671,7 +671,7 @@
           <p:cNvPr id="5" name="页脚占位符 4">
             <a:extLst>
               <a:ext uri="{FF2B5EF4-FFF2-40B4-BE49-F238E27FC236}">
-                <a16:creationId xmlns:a16="http://schemas.microsoft.com/office/drawing/2014/main" id="{CD229161-3C7B-5CE2-C957-75D8718C9912}"/>
+                <a16:creationId xmlns:a16="http://schemas.microsoft.com/office/drawing/2014/main" id="{9E945DF4-16A6-E8CE-BA27-E4C47B176862}"/>
               </a:ext>
             </a:extLst>
           </p:cNvPr>
@@ -696,7 +696,7 @@
           <p:cNvPr id="6" name="灯片编号占位符 5">
             <a:extLst>
               <a:ext uri="{FF2B5EF4-FFF2-40B4-BE49-F238E27FC236}">
-                <a16:creationId xmlns:a16="http://schemas.microsoft.com/office/drawing/2014/main" id="{7323D57E-E476-0034-C7BB-E595914B45F6}"/>
+                <a16:creationId xmlns:a16="http://schemas.microsoft.com/office/drawing/2014/main" id="{EA578098-8476-7D8B-EDD1-23F6EF3E8782}"/>
               </a:ext>
             </a:extLst>
           </p:cNvPr>
@@ -712,7 +712,7 @@
           <a:bodyPr/>
           <a:lstStyle/>
           <a:p>
-            <a:fld id="{83C374F3-A85B-4512-A0D0-3835474827B0}" type="slidenum">
+            <a:fld id="{63C5CE35-E287-4405-8810-4464D3453FBC}" type="slidenum">
               <a:rPr lang="zh-CN" altLang="en-US" smtClean="0"/>
               <a:t>‹#›</a:t>
             </a:fld>
@@ -723,7 +723,7 @@
     </p:spTree>
     <p:extLst>
       <p:ext uri="{BB962C8B-B14F-4D97-AF65-F5344CB8AC3E}">
-        <p14:creationId xmlns:p14="http://schemas.microsoft.com/office/powerpoint/2010/main" val="3683822152"/>
+        <p14:creationId xmlns:p14="http://schemas.microsoft.com/office/powerpoint/2010/main" val="1806746169"/>
       </p:ext>
     </p:extLst>
   </p:cSld>
@@ -755,7 +755,7 @@
           <p:cNvPr id="2" name="标题 1">
             <a:extLst>
               <a:ext uri="{FF2B5EF4-FFF2-40B4-BE49-F238E27FC236}">
-                <a16:creationId xmlns:a16="http://schemas.microsoft.com/office/drawing/2014/main" id="{AFCD0372-51B9-3168-C2CB-8B059814E97E}"/>
+                <a16:creationId xmlns:a16="http://schemas.microsoft.com/office/drawing/2014/main" id="{904CA17C-7E76-6695-1053-12F74D1B2471}"/>
               </a:ext>
             </a:extLst>
           </p:cNvPr>
@@ -783,7 +783,7 @@
           <p:cNvPr id="3" name="内容占位符 2">
             <a:extLst>
               <a:ext uri="{FF2B5EF4-FFF2-40B4-BE49-F238E27FC236}">
-                <a16:creationId xmlns:a16="http://schemas.microsoft.com/office/drawing/2014/main" id="{64A1560E-7964-21AD-9541-4F59B0E4C23D}"/>
+                <a16:creationId xmlns:a16="http://schemas.microsoft.com/office/drawing/2014/main" id="{91B7FCE7-BDAB-4E5B-9E82-C68F4EBE5ED3}"/>
               </a:ext>
             </a:extLst>
           </p:cNvPr>
@@ -840,7 +840,7 @@
           <p:cNvPr id="4" name="日期占位符 3">
             <a:extLst>
               <a:ext uri="{FF2B5EF4-FFF2-40B4-BE49-F238E27FC236}">
-                <a16:creationId xmlns:a16="http://schemas.microsoft.com/office/drawing/2014/main" id="{AA75ECCE-2C99-7B75-3CEF-7CD1D43221FF}"/>
+                <a16:creationId xmlns:a16="http://schemas.microsoft.com/office/drawing/2014/main" id="{DA17390B-E13D-5F75-5820-6C5140FD2FCC}"/>
               </a:ext>
             </a:extLst>
           </p:cNvPr>
@@ -856,7 +856,7 @@
           <a:bodyPr/>
           <a:lstStyle/>
           <a:p>
-            <a:fld id="{AE23AC2C-CCB9-4ADF-A95E-D1CCE917CDF7}" type="datetimeFigureOut">
+            <a:fld id="{9A6F76CE-CB6C-4C63-A7E4-8CF0E1059C70}" type="datetimeFigureOut">
               <a:rPr lang="zh-CN" altLang="en-US" smtClean="0"/>
               <a:t>2024/3/10</a:t>
             </a:fld>
@@ -869,7 +869,7 @@
           <p:cNvPr id="5" name="页脚占位符 4">
             <a:extLst>
               <a:ext uri="{FF2B5EF4-FFF2-40B4-BE49-F238E27FC236}">
-                <a16:creationId xmlns:a16="http://schemas.microsoft.com/office/drawing/2014/main" id="{E1743E23-B811-8A70-617C-92E3B40F50F4}"/>
+                <a16:creationId xmlns:a16="http://schemas.microsoft.com/office/drawing/2014/main" id="{2FD276D6-5F22-6269-43B3-E1B03CDF922D}"/>
               </a:ext>
             </a:extLst>
           </p:cNvPr>
@@ -894,7 +894,7 @@
           <p:cNvPr id="6" name="灯片编号占位符 5">
             <a:extLst>
               <a:ext uri="{FF2B5EF4-FFF2-40B4-BE49-F238E27FC236}">
-                <a16:creationId xmlns:a16="http://schemas.microsoft.com/office/drawing/2014/main" id="{E8F959D5-3D6E-FF3F-C9F9-381606D92E5D}"/>
+                <a16:creationId xmlns:a16="http://schemas.microsoft.com/office/drawing/2014/main" id="{F13FA6AA-8E80-166C-CF60-00B1786CF47F}"/>
               </a:ext>
             </a:extLst>
           </p:cNvPr>
@@ -910,7 +910,7 @@
           <a:bodyPr/>
           <a:lstStyle/>
           <a:p>
-            <a:fld id="{83C374F3-A85B-4512-A0D0-3835474827B0}" type="slidenum">
+            <a:fld id="{63C5CE35-E287-4405-8810-4464D3453FBC}" type="slidenum">
               <a:rPr lang="zh-CN" altLang="en-US" smtClean="0"/>
               <a:t>‹#›</a:t>
             </a:fld>
@@ -921,7 +921,7 @@
     </p:spTree>
     <p:extLst>
       <p:ext uri="{BB962C8B-B14F-4D97-AF65-F5344CB8AC3E}">
-        <p14:creationId xmlns:p14="http://schemas.microsoft.com/office/powerpoint/2010/main" val="1708864254"/>
+        <p14:creationId xmlns:p14="http://schemas.microsoft.com/office/powerpoint/2010/main" val="1376456943"/>
       </p:ext>
     </p:extLst>
   </p:cSld>
@@ -953,7 +953,7 @@
           <p:cNvPr id="2" name="标题 1">
             <a:extLst>
               <a:ext uri="{FF2B5EF4-FFF2-40B4-BE49-F238E27FC236}">
-                <a16:creationId xmlns:a16="http://schemas.microsoft.com/office/drawing/2014/main" id="{733B1C04-B5A8-B18E-A3DE-099358ABF731}"/>
+                <a16:creationId xmlns:a16="http://schemas.microsoft.com/office/drawing/2014/main" id="{744EC444-255B-799E-8EB1-7D6C155F6D94}"/>
               </a:ext>
             </a:extLst>
           </p:cNvPr>
@@ -990,7 +990,7 @@
           <p:cNvPr id="3" name="文本占位符 2">
             <a:extLst>
               <a:ext uri="{FF2B5EF4-FFF2-40B4-BE49-F238E27FC236}">
-                <a16:creationId xmlns:a16="http://schemas.microsoft.com/office/drawing/2014/main" id="{35EF74E5-D894-E0CB-0D34-71AB1A2BB7AE}"/>
+                <a16:creationId xmlns:a16="http://schemas.microsoft.com/office/drawing/2014/main" id="{276A1E22-2150-C275-3E66-A4E29FC448CC}"/>
               </a:ext>
             </a:extLst>
           </p:cNvPr>
@@ -1115,7 +1115,7 @@
           <p:cNvPr id="4" name="日期占位符 3">
             <a:extLst>
               <a:ext uri="{FF2B5EF4-FFF2-40B4-BE49-F238E27FC236}">
-                <a16:creationId xmlns:a16="http://schemas.microsoft.com/office/drawing/2014/main" id="{719ABDE1-ADB5-7285-E90C-8CC71FF1D5C1}"/>
+                <a16:creationId xmlns:a16="http://schemas.microsoft.com/office/drawing/2014/main" id="{5B5C7754-1F73-4986-8030-408A708269BA}"/>
               </a:ext>
             </a:extLst>
           </p:cNvPr>
@@ -1131,7 +1131,7 @@
           <a:bodyPr/>
           <a:lstStyle/>
           <a:p>
-            <a:fld id="{AE23AC2C-CCB9-4ADF-A95E-D1CCE917CDF7}" type="datetimeFigureOut">
+            <a:fld id="{9A6F76CE-CB6C-4C63-A7E4-8CF0E1059C70}" type="datetimeFigureOut">
               <a:rPr lang="zh-CN" altLang="en-US" smtClean="0"/>
               <a:t>2024/3/10</a:t>
             </a:fld>
@@ -1144,7 +1144,7 @@
           <p:cNvPr id="5" name="页脚占位符 4">
             <a:extLst>
               <a:ext uri="{FF2B5EF4-FFF2-40B4-BE49-F238E27FC236}">
-                <a16:creationId xmlns:a16="http://schemas.microsoft.com/office/drawing/2014/main" id="{2ED3A09B-63D2-8758-8372-84F6F5E5DB71}"/>
+                <a16:creationId xmlns:a16="http://schemas.microsoft.com/office/drawing/2014/main" id="{7288C162-F025-E787-6C97-966954092487}"/>
               </a:ext>
             </a:extLst>
           </p:cNvPr>
@@ -1169,7 +1169,7 @@
           <p:cNvPr id="6" name="灯片编号占位符 5">
             <a:extLst>
               <a:ext uri="{FF2B5EF4-FFF2-40B4-BE49-F238E27FC236}">
-                <a16:creationId xmlns:a16="http://schemas.microsoft.com/office/drawing/2014/main" id="{9E17DA37-9924-50F6-503F-1606ABA6170A}"/>
+                <a16:creationId xmlns:a16="http://schemas.microsoft.com/office/drawing/2014/main" id="{09CD56E0-C38C-34B5-0F65-186F637E8C4D}"/>
               </a:ext>
             </a:extLst>
           </p:cNvPr>
@@ -1185,7 +1185,7 @@
           <a:bodyPr/>
           <a:lstStyle/>
           <a:p>
-            <a:fld id="{83C374F3-A85B-4512-A0D0-3835474827B0}" type="slidenum">
+            <a:fld id="{63C5CE35-E287-4405-8810-4464D3453FBC}" type="slidenum">
               <a:rPr lang="zh-CN" altLang="en-US" smtClean="0"/>
               <a:t>‹#›</a:t>
             </a:fld>
@@ -1196,7 +1196,7 @@
     </p:spTree>
     <p:extLst>
       <p:ext uri="{BB962C8B-B14F-4D97-AF65-F5344CB8AC3E}">
-        <p14:creationId xmlns:p14="http://schemas.microsoft.com/office/powerpoint/2010/main" val="3035080907"/>
+        <p14:creationId xmlns:p14="http://schemas.microsoft.com/office/powerpoint/2010/main" val="3399115780"/>
       </p:ext>
     </p:extLst>
   </p:cSld>
@@ -1228,7 +1228,7 @@
           <p:cNvPr id="2" name="标题 1">
             <a:extLst>
               <a:ext uri="{FF2B5EF4-FFF2-40B4-BE49-F238E27FC236}">
-                <a16:creationId xmlns:a16="http://schemas.microsoft.com/office/drawing/2014/main" id="{6008613F-E625-DFDA-2E39-C87B94525191}"/>
+                <a16:creationId xmlns:a16="http://schemas.microsoft.com/office/drawing/2014/main" id="{0BFDEC0F-102F-70A2-B295-40D8F53DB1F7}"/>
               </a:ext>
             </a:extLst>
           </p:cNvPr>
@@ -1256,7 +1256,7 @@
           <p:cNvPr id="3" name="内容占位符 2">
             <a:extLst>
               <a:ext uri="{FF2B5EF4-FFF2-40B4-BE49-F238E27FC236}">
-                <a16:creationId xmlns:a16="http://schemas.microsoft.com/office/drawing/2014/main" id="{3BEDF50E-64BF-E48D-E289-4870B0D22ADD}"/>
+                <a16:creationId xmlns:a16="http://schemas.microsoft.com/office/drawing/2014/main" id="{AAEFBC71-C968-BB25-68B8-8A2842A67B96}"/>
               </a:ext>
             </a:extLst>
           </p:cNvPr>
@@ -1318,7 +1318,7 @@
           <p:cNvPr id="4" name="内容占位符 3">
             <a:extLst>
               <a:ext uri="{FF2B5EF4-FFF2-40B4-BE49-F238E27FC236}">
-                <a16:creationId xmlns:a16="http://schemas.microsoft.com/office/drawing/2014/main" id="{7F2B1993-0085-93E3-A119-FDD96854163F}"/>
+                <a16:creationId xmlns:a16="http://schemas.microsoft.com/office/drawing/2014/main" id="{1ACD14BF-D8B8-5E92-B827-88D3B91DF03C}"/>
               </a:ext>
             </a:extLst>
           </p:cNvPr>
@@ -1380,7 +1380,7 @@
           <p:cNvPr id="5" name="日期占位符 4">
             <a:extLst>
               <a:ext uri="{FF2B5EF4-FFF2-40B4-BE49-F238E27FC236}">
-                <a16:creationId xmlns:a16="http://schemas.microsoft.com/office/drawing/2014/main" id="{5DDD5C1F-2C82-0826-5D6A-712ED6436687}"/>
+                <a16:creationId xmlns:a16="http://schemas.microsoft.com/office/drawing/2014/main" id="{05A4699D-BAF7-53D4-AE21-95A9BCF9D7E5}"/>
               </a:ext>
             </a:extLst>
           </p:cNvPr>
@@ -1396,7 +1396,7 @@
           <a:bodyPr/>
           <a:lstStyle/>
           <a:p>
-            <a:fld id="{AE23AC2C-CCB9-4ADF-A95E-D1CCE917CDF7}" type="datetimeFigureOut">
+            <a:fld id="{9A6F76CE-CB6C-4C63-A7E4-8CF0E1059C70}" type="datetimeFigureOut">
               <a:rPr lang="zh-CN" altLang="en-US" smtClean="0"/>
               <a:t>2024/3/10</a:t>
             </a:fld>
@@ -1409,7 +1409,7 @@
           <p:cNvPr id="6" name="页脚占位符 5">
             <a:extLst>
               <a:ext uri="{FF2B5EF4-FFF2-40B4-BE49-F238E27FC236}">
-                <a16:creationId xmlns:a16="http://schemas.microsoft.com/office/drawing/2014/main" id="{427FA993-8C15-23E5-DA6E-59363A422349}"/>
+                <a16:creationId xmlns:a16="http://schemas.microsoft.com/office/drawing/2014/main" id="{6B600A17-CCA7-EF27-9464-E0C409718BA6}"/>
               </a:ext>
             </a:extLst>
           </p:cNvPr>
@@ -1434,7 +1434,7 @@
           <p:cNvPr id="7" name="灯片编号占位符 6">
             <a:extLst>
               <a:ext uri="{FF2B5EF4-FFF2-40B4-BE49-F238E27FC236}">
-                <a16:creationId xmlns:a16="http://schemas.microsoft.com/office/drawing/2014/main" id="{8815001D-E970-F2F6-162E-2B35C8A7D07E}"/>
+                <a16:creationId xmlns:a16="http://schemas.microsoft.com/office/drawing/2014/main" id="{893CE5AE-E16C-BBA8-9015-191385E2B495}"/>
               </a:ext>
             </a:extLst>
           </p:cNvPr>
@@ -1450,7 +1450,7 @@
           <a:bodyPr/>
           <a:lstStyle/>
           <a:p>
-            <a:fld id="{83C374F3-A85B-4512-A0D0-3835474827B0}" type="slidenum">
+            <a:fld id="{63C5CE35-E287-4405-8810-4464D3453FBC}" type="slidenum">
               <a:rPr lang="zh-CN" altLang="en-US" smtClean="0"/>
               <a:t>‹#›</a:t>
             </a:fld>
@@ -1461,7 +1461,7 @@
     </p:spTree>
     <p:extLst>
       <p:ext uri="{BB962C8B-B14F-4D97-AF65-F5344CB8AC3E}">
-        <p14:creationId xmlns:p14="http://schemas.microsoft.com/office/powerpoint/2010/main" val="2021274457"/>
+        <p14:creationId xmlns:p14="http://schemas.microsoft.com/office/powerpoint/2010/main" val="2132494521"/>
       </p:ext>
     </p:extLst>
   </p:cSld>
@@ -1493,7 +1493,7 @@
           <p:cNvPr id="2" name="标题 1">
             <a:extLst>
               <a:ext uri="{FF2B5EF4-FFF2-40B4-BE49-F238E27FC236}">
-                <a16:creationId xmlns:a16="http://schemas.microsoft.com/office/drawing/2014/main" id="{D1046B9D-0A48-9EEC-E3F5-FE33C4549214}"/>
+                <a16:creationId xmlns:a16="http://schemas.microsoft.com/office/drawing/2014/main" id="{9F1ED6C5-94BD-38F5-B196-F57633DE4C35}"/>
               </a:ext>
             </a:extLst>
           </p:cNvPr>
@@ -1526,7 +1526,7 @@
           <p:cNvPr id="3" name="文本占位符 2">
             <a:extLst>
               <a:ext uri="{FF2B5EF4-FFF2-40B4-BE49-F238E27FC236}">
-                <a16:creationId xmlns:a16="http://schemas.microsoft.com/office/drawing/2014/main" id="{F1FC4F5C-89A1-2508-41BB-797CE54AC114}"/>
+                <a16:creationId xmlns:a16="http://schemas.microsoft.com/office/drawing/2014/main" id="{5AD6ADA2-C980-C30E-EE76-6B52F04CC67E}"/>
               </a:ext>
             </a:extLst>
           </p:cNvPr>
@@ -1597,7 +1597,7 @@
           <p:cNvPr id="4" name="内容占位符 3">
             <a:extLst>
               <a:ext uri="{FF2B5EF4-FFF2-40B4-BE49-F238E27FC236}">
-                <a16:creationId xmlns:a16="http://schemas.microsoft.com/office/drawing/2014/main" id="{FA750DBB-A160-4EC7-0D7F-B8749102FC30}"/>
+                <a16:creationId xmlns:a16="http://schemas.microsoft.com/office/drawing/2014/main" id="{FC17EB7B-51FF-5169-C710-FDDF22674B09}"/>
               </a:ext>
             </a:extLst>
           </p:cNvPr>
@@ -1659,7 +1659,7 @@
           <p:cNvPr id="5" name="文本占位符 4">
             <a:extLst>
               <a:ext uri="{FF2B5EF4-FFF2-40B4-BE49-F238E27FC236}">
-                <a16:creationId xmlns:a16="http://schemas.microsoft.com/office/drawing/2014/main" id="{77745A1A-359D-F3BD-2059-4774B2B3171D}"/>
+                <a16:creationId xmlns:a16="http://schemas.microsoft.com/office/drawing/2014/main" id="{8C5CDE60-E7A7-BA1F-5A40-D345F65830E8}"/>
               </a:ext>
             </a:extLst>
           </p:cNvPr>
@@ -1730,7 +1730,7 @@
           <p:cNvPr id="6" name="内容占位符 5">
             <a:extLst>
               <a:ext uri="{FF2B5EF4-FFF2-40B4-BE49-F238E27FC236}">
-                <a16:creationId xmlns:a16="http://schemas.microsoft.com/office/drawing/2014/main" id="{EF707BFD-4E98-F1A2-AF79-4186B42FA180}"/>
+                <a16:creationId xmlns:a16="http://schemas.microsoft.com/office/drawing/2014/main" id="{DB9A130A-5F93-2781-1C42-E34F8E809146}"/>
               </a:ext>
             </a:extLst>
           </p:cNvPr>
@@ -1792,7 +1792,7 @@
           <p:cNvPr id="7" name="日期占位符 6">
             <a:extLst>
               <a:ext uri="{FF2B5EF4-FFF2-40B4-BE49-F238E27FC236}">
-                <a16:creationId xmlns:a16="http://schemas.microsoft.com/office/drawing/2014/main" id="{08427E8D-6A56-8EBF-513C-F7DC0F93BDB4}"/>
+                <a16:creationId xmlns:a16="http://schemas.microsoft.com/office/drawing/2014/main" id="{98AF39AC-82F4-E4D3-B18D-018C984D7B76}"/>
               </a:ext>
             </a:extLst>
           </p:cNvPr>
@@ -1808,7 +1808,7 @@
           <a:bodyPr/>
           <a:lstStyle/>
           <a:p>
-            <a:fld id="{AE23AC2C-CCB9-4ADF-A95E-D1CCE917CDF7}" type="datetimeFigureOut">
+            <a:fld id="{9A6F76CE-CB6C-4C63-A7E4-8CF0E1059C70}" type="datetimeFigureOut">
               <a:rPr lang="zh-CN" altLang="en-US" smtClean="0"/>
               <a:t>2024/3/10</a:t>
             </a:fld>
@@ -1821,7 +1821,7 @@
           <p:cNvPr id="8" name="页脚占位符 7">
             <a:extLst>
               <a:ext uri="{FF2B5EF4-FFF2-40B4-BE49-F238E27FC236}">
-                <a16:creationId xmlns:a16="http://schemas.microsoft.com/office/drawing/2014/main" id="{A38192FC-7A5D-98B8-38BA-5F0C7B391039}"/>
+                <a16:creationId xmlns:a16="http://schemas.microsoft.com/office/drawing/2014/main" id="{FBFB6FDA-E70C-B054-4B60-4A88985F5454}"/>
               </a:ext>
             </a:extLst>
           </p:cNvPr>
@@ -1846,7 +1846,7 @@
           <p:cNvPr id="9" name="灯片编号占位符 8">
             <a:extLst>
               <a:ext uri="{FF2B5EF4-FFF2-40B4-BE49-F238E27FC236}">
-                <a16:creationId xmlns:a16="http://schemas.microsoft.com/office/drawing/2014/main" id="{E2CD5B66-E06B-22F0-19D9-7538AFFD904C}"/>
+                <a16:creationId xmlns:a16="http://schemas.microsoft.com/office/drawing/2014/main" id="{71F8BFC2-19CF-FCDD-D73F-7B131E836599}"/>
               </a:ext>
             </a:extLst>
           </p:cNvPr>
@@ -1862,7 +1862,7 @@
           <a:bodyPr/>
           <a:lstStyle/>
           <a:p>
-            <a:fld id="{83C374F3-A85B-4512-A0D0-3835474827B0}" type="slidenum">
+            <a:fld id="{63C5CE35-E287-4405-8810-4464D3453FBC}" type="slidenum">
               <a:rPr lang="zh-CN" altLang="en-US" smtClean="0"/>
               <a:t>‹#›</a:t>
             </a:fld>
@@ -1873,7 +1873,7 @@
     </p:spTree>
     <p:extLst>
       <p:ext uri="{BB962C8B-B14F-4D97-AF65-F5344CB8AC3E}">
-        <p14:creationId xmlns:p14="http://schemas.microsoft.com/office/powerpoint/2010/main" val="1713153739"/>
+        <p14:creationId xmlns:p14="http://schemas.microsoft.com/office/powerpoint/2010/main" val="2806077385"/>
       </p:ext>
     </p:extLst>
   </p:cSld>
@@ -1905,7 +1905,7 @@
           <p:cNvPr id="2" name="标题 1">
             <a:extLst>
               <a:ext uri="{FF2B5EF4-FFF2-40B4-BE49-F238E27FC236}">
-                <a16:creationId xmlns:a16="http://schemas.microsoft.com/office/drawing/2014/main" id="{E0713191-7A88-C6C5-A6B0-44D1D39B2A50}"/>
+                <a16:creationId xmlns:a16="http://schemas.microsoft.com/office/drawing/2014/main" id="{EB2CABEB-F48B-C316-09A1-143ED7C79852}"/>
               </a:ext>
             </a:extLst>
           </p:cNvPr>
@@ -1933,7 +1933,7 @@
           <p:cNvPr id="3" name="日期占位符 2">
             <a:extLst>
               <a:ext uri="{FF2B5EF4-FFF2-40B4-BE49-F238E27FC236}">
-                <a16:creationId xmlns:a16="http://schemas.microsoft.com/office/drawing/2014/main" id="{48416D9A-4C94-FA66-F817-22AF47D2B663}"/>
+                <a16:creationId xmlns:a16="http://schemas.microsoft.com/office/drawing/2014/main" id="{18229AA5-59EA-1E97-8158-443305FBC3D5}"/>
               </a:ext>
             </a:extLst>
           </p:cNvPr>
@@ -1949,7 +1949,7 @@
           <a:bodyPr/>
           <a:lstStyle/>
           <a:p>
-            <a:fld id="{AE23AC2C-CCB9-4ADF-A95E-D1CCE917CDF7}" type="datetimeFigureOut">
+            <a:fld id="{9A6F76CE-CB6C-4C63-A7E4-8CF0E1059C70}" type="datetimeFigureOut">
               <a:rPr lang="zh-CN" altLang="en-US" smtClean="0"/>
               <a:t>2024/3/10</a:t>
             </a:fld>
@@ -1962,7 +1962,7 @@
           <p:cNvPr id="4" name="页脚占位符 3">
             <a:extLst>
               <a:ext uri="{FF2B5EF4-FFF2-40B4-BE49-F238E27FC236}">
-                <a16:creationId xmlns:a16="http://schemas.microsoft.com/office/drawing/2014/main" id="{1A15B447-6C89-B0C9-6C8A-39C99567236A}"/>
+                <a16:creationId xmlns:a16="http://schemas.microsoft.com/office/drawing/2014/main" id="{C90DBEDD-AB20-716E-585D-51C8158B99B3}"/>
               </a:ext>
             </a:extLst>
           </p:cNvPr>
@@ -1987,7 +1987,7 @@
           <p:cNvPr id="5" name="灯片编号占位符 4">
             <a:extLst>
               <a:ext uri="{FF2B5EF4-FFF2-40B4-BE49-F238E27FC236}">
-                <a16:creationId xmlns:a16="http://schemas.microsoft.com/office/drawing/2014/main" id="{9945F2C5-868E-08F1-9CD2-DDCB3F45A19B}"/>
+                <a16:creationId xmlns:a16="http://schemas.microsoft.com/office/drawing/2014/main" id="{812CF6DF-A6E6-2004-07E1-D83C1F82DD16}"/>
               </a:ext>
             </a:extLst>
           </p:cNvPr>
@@ -2003,7 +2003,7 @@
           <a:bodyPr/>
           <a:lstStyle/>
           <a:p>
-            <a:fld id="{83C374F3-A85B-4512-A0D0-3835474827B0}" type="slidenum">
+            <a:fld id="{63C5CE35-E287-4405-8810-4464D3453FBC}" type="slidenum">
               <a:rPr lang="zh-CN" altLang="en-US" smtClean="0"/>
               <a:t>‹#›</a:t>
             </a:fld>
@@ -2014,7 +2014,7 @@
     </p:spTree>
     <p:extLst>
       <p:ext uri="{BB962C8B-B14F-4D97-AF65-F5344CB8AC3E}">
-        <p14:creationId xmlns:p14="http://schemas.microsoft.com/office/powerpoint/2010/main" val="2048777287"/>
+        <p14:creationId xmlns:p14="http://schemas.microsoft.com/office/powerpoint/2010/main" val="2486995135"/>
       </p:ext>
     </p:extLst>
   </p:cSld>
@@ -2046,7 +2046,7 @@
           <p:cNvPr id="2" name="日期占位符 1">
             <a:extLst>
               <a:ext uri="{FF2B5EF4-FFF2-40B4-BE49-F238E27FC236}">
-                <a16:creationId xmlns:a16="http://schemas.microsoft.com/office/drawing/2014/main" id="{7CA825D6-6FDB-6289-33D5-F4AD0063DCA4}"/>
+                <a16:creationId xmlns:a16="http://schemas.microsoft.com/office/drawing/2014/main" id="{76636174-0410-73FD-CBC7-11269458B1F3}"/>
               </a:ext>
             </a:extLst>
           </p:cNvPr>
@@ -2062,7 +2062,7 @@
           <a:bodyPr/>
           <a:lstStyle/>
           <a:p>
-            <a:fld id="{AE23AC2C-CCB9-4ADF-A95E-D1CCE917CDF7}" type="datetimeFigureOut">
+            <a:fld id="{9A6F76CE-CB6C-4C63-A7E4-8CF0E1059C70}" type="datetimeFigureOut">
               <a:rPr lang="zh-CN" altLang="en-US" smtClean="0"/>
               <a:t>2024/3/10</a:t>
             </a:fld>
@@ -2075,7 +2075,7 @@
           <p:cNvPr id="3" name="页脚占位符 2">
             <a:extLst>
               <a:ext uri="{FF2B5EF4-FFF2-40B4-BE49-F238E27FC236}">
-                <a16:creationId xmlns:a16="http://schemas.microsoft.com/office/drawing/2014/main" id="{5E1973D8-C6A2-0E44-6994-2C5E664C2DAA}"/>
+                <a16:creationId xmlns:a16="http://schemas.microsoft.com/office/drawing/2014/main" id="{67E78C67-7865-0EB0-4836-31C979B21A1E}"/>
               </a:ext>
             </a:extLst>
           </p:cNvPr>
@@ -2100,7 +2100,7 @@
           <p:cNvPr id="4" name="灯片编号占位符 3">
             <a:extLst>
               <a:ext uri="{FF2B5EF4-FFF2-40B4-BE49-F238E27FC236}">
-                <a16:creationId xmlns:a16="http://schemas.microsoft.com/office/drawing/2014/main" id="{CBA96BCA-C310-44B7-14FA-E65AB4919EF5}"/>
+                <a16:creationId xmlns:a16="http://schemas.microsoft.com/office/drawing/2014/main" id="{15EE94CE-56B2-6EF6-6B74-05059840FB29}"/>
               </a:ext>
             </a:extLst>
           </p:cNvPr>
@@ -2116,7 +2116,7 @@
           <a:bodyPr/>
           <a:lstStyle/>
           <a:p>
-            <a:fld id="{83C374F3-A85B-4512-A0D0-3835474827B0}" type="slidenum">
+            <a:fld id="{63C5CE35-E287-4405-8810-4464D3453FBC}" type="slidenum">
               <a:rPr lang="zh-CN" altLang="en-US" smtClean="0"/>
               <a:t>‹#›</a:t>
             </a:fld>
@@ -2127,7 +2127,7 @@
     </p:spTree>
     <p:extLst>
       <p:ext uri="{BB962C8B-B14F-4D97-AF65-F5344CB8AC3E}">
-        <p14:creationId xmlns:p14="http://schemas.microsoft.com/office/powerpoint/2010/main" val="2408211953"/>
+        <p14:creationId xmlns:p14="http://schemas.microsoft.com/office/powerpoint/2010/main" val="1600821060"/>
       </p:ext>
     </p:extLst>
   </p:cSld>
@@ -2159,7 +2159,7 @@
           <p:cNvPr id="2" name="标题 1">
             <a:extLst>
               <a:ext uri="{FF2B5EF4-FFF2-40B4-BE49-F238E27FC236}">
-                <a16:creationId xmlns:a16="http://schemas.microsoft.com/office/drawing/2014/main" id="{1F3870F8-851C-BD79-CCE4-36D30120EF16}"/>
+                <a16:creationId xmlns:a16="http://schemas.microsoft.com/office/drawing/2014/main" id="{567B1A87-E33E-203C-8DCD-7D12A05126CB}"/>
               </a:ext>
             </a:extLst>
           </p:cNvPr>
@@ -2196,7 +2196,7 @@
           <p:cNvPr id="3" name="内容占位符 2">
             <a:extLst>
               <a:ext uri="{FF2B5EF4-FFF2-40B4-BE49-F238E27FC236}">
-                <a16:creationId xmlns:a16="http://schemas.microsoft.com/office/drawing/2014/main" id="{D09611C6-F7F9-667D-409B-501CF6080397}"/>
+                <a16:creationId xmlns:a16="http://schemas.microsoft.com/office/drawing/2014/main" id="{B708EBFB-CFE3-6EDE-C987-2B13E4A39D51}"/>
               </a:ext>
             </a:extLst>
           </p:cNvPr>
@@ -2286,7 +2286,7 @@
           <p:cNvPr id="4" name="文本占位符 3">
             <a:extLst>
               <a:ext uri="{FF2B5EF4-FFF2-40B4-BE49-F238E27FC236}">
-                <a16:creationId xmlns:a16="http://schemas.microsoft.com/office/drawing/2014/main" id="{2BF513F3-01E2-36E5-D7CA-762BA2891B8A}"/>
+                <a16:creationId xmlns:a16="http://schemas.microsoft.com/office/drawing/2014/main" id="{B36341CB-B605-F9A1-922B-5348AA8D1031}"/>
               </a:ext>
             </a:extLst>
           </p:cNvPr>
@@ -2357,7 +2357,7 @@
           <p:cNvPr id="5" name="日期占位符 4">
             <a:extLst>
               <a:ext uri="{FF2B5EF4-FFF2-40B4-BE49-F238E27FC236}">
-                <a16:creationId xmlns:a16="http://schemas.microsoft.com/office/drawing/2014/main" id="{E4DBFF4E-AAA9-B975-238F-E1BBE0008C8A}"/>
+                <a16:creationId xmlns:a16="http://schemas.microsoft.com/office/drawing/2014/main" id="{003DC5F1-8FAB-7874-F823-67E170DE3E81}"/>
               </a:ext>
             </a:extLst>
           </p:cNvPr>
@@ -2373,7 +2373,7 @@
           <a:bodyPr/>
           <a:lstStyle/>
           <a:p>
-            <a:fld id="{AE23AC2C-CCB9-4ADF-A95E-D1CCE917CDF7}" type="datetimeFigureOut">
+            <a:fld id="{9A6F76CE-CB6C-4C63-A7E4-8CF0E1059C70}" type="datetimeFigureOut">
               <a:rPr lang="zh-CN" altLang="en-US" smtClean="0"/>
               <a:t>2024/3/10</a:t>
             </a:fld>
@@ -2386,7 +2386,7 @@
           <p:cNvPr id="6" name="页脚占位符 5">
             <a:extLst>
               <a:ext uri="{FF2B5EF4-FFF2-40B4-BE49-F238E27FC236}">
-                <a16:creationId xmlns:a16="http://schemas.microsoft.com/office/drawing/2014/main" id="{FBA01128-CDD3-7E99-DFDD-23C9E15811FF}"/>
+                <a16:creationId xmlns:a16="http://schemas.microsoft.com/office/drawing/2014/main" id="{8B68EC61-26CC-C406-EAAD-12F415B01474}"/>
               </a:ext>
             </a:extLst>
           </p:cNvPr>
@@ -2411,7 +2411,7 @@
           <p:cNvPr id="7" name="灯片编号占位符 6">
             <a:extLst>
               <a:ext uri="{FF2B5EF4-FFF2-40B4-BE49-F238E27FC236}">
-                <a16:creationId xmlns:a16="http://schemas.microsoft.com/office/drawing/2014/main" id="{F3B40A4D-5BA0-8D74-755B-254DE130E07B}"/>
+                <a16:creationId xmlns:a16="http://schemas.microsoft.com/office/drawing/2014/main" id="{1FDD484B-D665-B8DA-729B-5F80326AFA65}"/>
               </a:ext>
             </a:extLst>
           </p:cNvPr>
@@ -2427,7 +2427,7 @@
           <a:bodyPr/>
           <a:lstStyle/>
           <a:p>
-            <a:fld id="{83C374F3-A85B-4512-A0D0-3835474827B0}" type="slidenum">
+            <a:fld id="{63C5CE35-E287-4405-8810-4464D3453FBC}" type="slidenum">
               <a:rPr lang="zh-CN" altLang="en-US" smtClean="0"/>
               <a:t>‹#›</a:t>
             </a:fld>
@@ -2438,7 +2438,7 @@
     </p:spTree>
     <p:extLst>
       <p:ext uri="{BB962C8B-B14F-4D97-AF65-F5344CB8AC3E}">
-        <p14:creationId xmlns:p14="http://schemas.microsoft.com/office/powerpoint/2010/main" val="3003342553"/>
+        <p14:creationId xmlns:p14="http://schemas.microsoft.com/office/powerpoint/2010/main" val="1162277118"/>
       </p:ext>
     </p:extLst>
   </p:cSld>
@@ -2470,7 +2470,7 @@
           <p:cNvPr id="2" name="标题 1">
             <a:extLst>
               <a:ext uri="{FF2B5EF4-FFF2-40B4-BE49-F238E27FC236}">
-                <a16:creationId xmlns:a16="http://schemas.microsoft.com/office/drawing/2014/main" id="{34334822-9584-C328-398C-F4E912599767}"/>
+                <a16:creationId xmlns:a16="http://schemas.microsoft.com/office/drawing/2014/main" id="{0FB39839-A2F9-350C-73A3-7C393BC04DDB}"/>
               </a:ext>
             </a:extLst>
           </p:cNvPr>
@@ -2507,7 +2507,7 @@
           <p:cNvPr id="3" name="图片占位符 2">
             <a:extLst>
               <a:ext uri="{FF2B5EF4-FFF2-40B4-BE49-F238E27FC236}">
-                <a16:creationId xmlns:a16="http://schemas.microsoft.com/office/drawing/2014/main" id="{57003090-73FD-0E6E-830E-0EB9C979E9DF}"/>
+                <a16:creationId xmlns:a16="http://schemas.microsoft.com/office/drawing/2014/main" id="{01876703-5D44-5FDB-E022-A94C18B38E4F}"/>
               </a:ext>
             </a:extLst>
           </p:cNvPr>
@@ -2574,7 +2574,7 @@
           <p:cNvPr id="4" name="文本占位符 3">
             <a:extLst>
               <a:ext uri="{FF2B5EF4-FFF2-40B4-BE49-F238E27FC236}">
-                <a16:creationId xmlns:a16="http://schemas.microsoft.com/office/drawing/2014/main" id="{09C80014-F1B3-50F7-35EF-2A00176AFBA0}"/>
+                <a16:creationId xmlns:a16="http://schemas.microsoft.com/office/drawing/2014/main" id="{B73F0B34-507D-6B28-12A4-3255BA77EF34}"/>
               </a:ext>
             </a:extLst>
           </p:cNvPr>
@@ -2645,7 +2645,7 @@
           <p:cNvPr id="5" name="日期占位符 4">
             <a:extLst>
               <a:ext uri="{FF2B5EF4-FFF2-40B4-BE49-F238E27FC236}">
-                <a16:creationId xmlns:a16="http://schemas.microsoft.com/office/drawing/2014/main" id="{5F926F46-9488-DB77-F5F8-885AA93B203F}"/>
+                <a16:creationId xmlns:a16="http://schemas.microsoft.com/office/drawing/2014/main" id="{8C118200-559D-AC6F-2746-96517A37FF22}"/>
               </a:ext>
             </a:extLst>
           </p:cNvPr>
@@ -2661,7 +2661,7 @@
           <a:bodyPr/>
           <a:lstStyle/>
           <a:p>
-            <a:fld id="{AE23AC2C-CCB9-4ADF-A95E-D1CCE917CDF7}" type="datetimeFigureOut">
+            <a:fld id="{9A6F76CE-CB6C-4C63-A7E4-8CF0E1059C70}" type="datetimeFigureOut">
               <a:rPr lang="zh-CN" altLang="en-US" smtClean="0"/>
               <a:t>2024/3/10</a:t>
             </a:fld>
@@ -2674,7 +2674,7 @@
           <p:cNvPr id="6" name="页脚占位符 5">
             <a:extLst>
               <a:ext uri="{FF2B5EF4-FFF2-40B4-BE49-F238E27FC236}">
-                <a16:creationId xmlns:a16="http://schemas.microsoft.com/office/drawing/2014/main" id="{B7ECA4DC-4647-E814-AA02-FDBB42A99A09}"/>
+                <a16:creationId xmlns:a16="http://schemas.microsoft.com/office/drawing/2014/main" id="{8BB7BB17-89E2-7E13-FB0E-836B17E477EB}"/>
               </a:ext>
             </a:extLst>
           </p:cNvPr>
@@ -2699,7 +2699,7 @@
           <p:cNvPr id="7" name="灯片编号占位符 6">
             <a:extLst>
               <a:ext uri="{FF2B5EF4-FFF2-40B4-BE49-F238E27FC236}">
-                <a16:creationId xmlns:a16="http://schemas.microsoft.com/office/drawing/2014/main" id="{80884B25-0F32-9EDB-15B2-5CE53F184AEA}"/>
+                <a16:creationId xmlns:a16="http://schemas.microsoft.com/office/drawing/2014/main" id="{852F962F-7521-E02D-BF15-D9DBC93E4CB2}"/>
               </a:ext>
             </a:extLst>
           </p:cNvPr>
@@ -2715,7 +2715,7 @@
           <a:bodyPr/>
           <a:lstStyle/>
           <a:p>
-            <a:fld id="{83C374F3-A85B-4512-A0D0-3835474827B0}" type="slidenum">
+            <a:fld id="{63C5CE35-E287-4405-8810-4464D3453FBC}" type="slidenum">
               <a:rPr lang="zh-CN" altLang="en-US" smtClean="0"/>
               <a:t>‹#›</a:t>
             </a:fld>
@@ -2726,7 +2726,7 @@
     </p:spTree>
     <p:extLst>
       <p:ext uri="{BB962C8B-B14F-4D97-AF65-F5344CB8AC3E}">
-        <p14:creationId xmlns:p14="http://schemas.microsoft.com/office/powerpoint/2010/main" val="4257592873"/>
+        <p14:creationId xmlns:p14="http://schemas.microsoft.com/office/powerpoint/2010/main" val="587701254"/>
       </p:ext>
     </p:extLst>
   </p:cSld>
@@ -2763,7 +2763,7 @@
           <p:cNvPr id="2" name="标题占位符 1">
             <a:extLst>
               <a:ext uri="{FF2B5EF4-FFF2-40B4-BE49-F238E27FC236}">
-                <a16:creationId xmlns:a16="http://schemas.microsoft.com/office/drawing/2014/main" id="{3143CC6B-6BB0-A5BD-82D0-585FBC2F4C42}"/>
+                <a16:creationId xmlns:a16="http://schemas.microsoft.com/office/drawing/2014/main" id="{A0617E96-DAF7-8DC5-5DF1-7595CE7AD0A0}"/>
               </a:ext>
             </a:extLst>
           </p:cNvPr>
@@ -2801,7 +2801,7 @@
           <p:cNvPr id="3" name="文本占位符 2">
             <a:extLst>
               <a:ext uri="{FF2B5EF4-FFF2-40B4-BE49-F238E27FC236}">
-                <a16:creationId xmlns:a16="http://schemas.microsoft.com/office/drawing/2014/main" id="{8982BDCF-7D69-F7B4-51AF-BA704CDD1BE8}"/>
+                <a16:creationId xmlns:a16="http://schemas.microsoft.com/office/drawing/2014/main" id="{A634CD60-F5EA-FDFB-85EB-67D29CDA6940}"/>
               </a:ext>
             </a:extLst>
           </p:cNvPr>
@@ -2868,7 +2868,7 @@
           <p:cNvPr id="4" name="日期占位符 3">
             <a:extLst>
               <a:ext uri="{FF2B5EF4-FFF2-40B4-BE49-F238E27FC236}">
-                <a16:creationId xmlns:a16="http://schemas.microsoft.com/office/drawing/2014/main" id="{29827715-D0E2-D56D-2141-9EB8BB627CFC}"/>
+                <a16:creationId xmlns:a16="http://schemas.microsoft.com/office/drawing/2014/main" id="{D2F10DA2-2E36-8253-BA27-8A6978371B49}"/>
               </a:ext>
             </a:extLst>
           </p:cNvPr>
@@ -2902,7 +2902,7 @@
             </a:lvl1pPr>
           </a:lstStyle>
           <a:p>
-            <a:fld id="{AE23AC2C-CCB9-4ADF-A95E-D1CCE917CDF7}" type="datetimeFigureOut">
+            <a:fld id="{9A6F76CE-CB6C-4C63-A7E4-8CF0E1059C70}" type="datetimeFigureOut">
               <a:rPr lang="zh-CN" altLang="en-US" smtClean="0"/>
               <a:t>2024/3/10</a:t>
             </a:fld>
@@ -2915,7 +2915,7 @@
           <p:cNvPr id="5" name="页脚占位符 4">
             <a:extLst>
               <a:ext uri="{FF2B5EF4-FFF2-40B4-BE49-F238E27FC236}">
-                <a16:creationId xmlns:a16="http://schemas.microsoft.com/office/drawing/2014/main" id="{F472AE01-E88F-FAA9-42E8-53B0EB77B5D0}"/>
+                <a16:creationId xmlns:a16="http://schemas.microsoft.com/office/drawing/2014/main" id="{BE8CD006-DD7A-B0B4-F895-1F019DD5EFC4}"/>
               </a:ext>
             </a:extLst>
           </p:cNvPr>
@@ -2958,7 +2958,7 @@
           <p:cNvPr id="6" name="灯片编号占位符 5">
             <a:extLst>
               <a:ext uri="{FF2B5EF4-FFF2-40B4-BE49-F238E27FC236}">
-                <a16:creationId xmlns:a16="http://schemas.microsoft.com/office/drawing/2014/main" id="{12F17C01-D4E9-39D4-B463-458F30AC960E}"/>
+                <a16:creationId xmlns:a16="http://schemas.microsoft.com/office/drawing/2014/main" id="{DF245AEF-D5DD-4FDC-0454-1BEC61EB585D}"/>
               </a:ext>
             </a:extLst>
           </p:cNvPr>
@@ -2992,7 +2992,7 @@
             </a:lvl1pPr>
           </a:lstStyle>
           <a:p>
-            <a:fld id="{83C374F3-A85B-4512-A0D0-3835474827B0}" type="slidenum">
+            <a:fld id="{63C5CE35-E287-4405-8810-4464D3453FBC}" type="slidenum">
               <a:rPr lang="zh-CN" altLang="en-US" smtClean="0"/>
               <a:t>‹#›</a:t>
             </a:fld>
@@ -3003,7 +3003,7 @@
     </p:spTree>
     <p:extLst>
       <p:ext uri="{BB962C8B-B14F-4D97-AF65-F5344CB8AC3E}">
-        <p14:creationId xmlns:p14="http://schemas.microsoft.com/office/powerpoint/2010/main" val="2159479791"/>
+        <p14:creationId xmlns:p14="http://schemas.microsoft.com/office/powerpoint/2010/main" val="4113253422"/>
       </p:ext>
     </p:extLst>
   </p:cSld>
@@ -3323,7 +3323,7 @@
       </p:grpSpPr>
       <p:pic>
         <p:nvPicPr>
-          <p:cNvPr id="1128450" name="Picture 2" descr="1101"/>
+          <p:cNvPr id="1129474" name="Picture 2" descr="1102"/>
           <p:cNvPicPr>
             <a:picLocks noChangeAspect="1" noChangeArrowheads="1"/>
           </p:cNvPicPr>
